--- a/逆minesweeper.pptx
+++ b/逆minesweeper.pptx
@@ -8,8 +8,7 @@
     <p:sldId id="256" r:id="rId2"/>
     <p:sldId id="258" r:id="rId3"/>
     <p:sldId id="257" r:id="rId4"/>
-    <p:sldId id="259" r:id="rId5"/>
-    <p:sldId id="260" r:id="rId6"/>
+    <p:sldId id="260" r:id="rId5"/>
   </p:sldIdLst>
   <p:sldSz cx="12192000" cy="6858000"/>
   <p:notesSz cx="6858000" cy="9144000"/>
@@ -108,6 +107,11 @@
       </a:defRPr>
     </a:lvl9pPr>
   </p:defaultTextStyle>
+  <p:extLst>
+    <p:ext uri="{EFAFB233-063F-42B5-8137-9DF3F51BA10A}">
+      <p15:sldGuideLst xmlns:p15="http://schemas.microsoft.com/office/powerpoint/2012/main"/>
+    </p:ext>
+  </p:extLst>
 </p:presentation>
 </file>
 
@@ -153,10 +157,9 @@
           </a:lstStyle>
           <a:p>
             <a:r>
-              <a:rPr kumimoji="1" lang="ja-JP" altLang="en-US" smtClean="0"/>
+              <a:rPr kumimoji="1" lang="ja-JP" altLang="en-US"/>
               <a:t>マスター タイトルの書式設定</a:t>
             </a:r>
-            <a:endParaRPr kumimoji="1" lang="ja-JP" altLang="en-US"/>
           </a:p>
         </p:txBody>
       </p:sp>
@@ -218,10 +221,9 @@
           </a:lstStyle>
           <a:p>
             <a:r>
-              <a:rPr kumimoji="1" lang="ja-JP" altLang="en-US" smtClean="0"/>
+              <a:rPr kumimoji="1" lang="ja-JP" altLang="en-US"/>
               <a:t>マスター サブタイトルの書式設定</a:t>
             </a:r>
-            <a:endParaRPr kumimoji="1" lang="ja-JP" altLang="en-US"/>
           </a:p>
         </p:txBody>
       </p:sp>
@@ -242,7 +244,7 @@
           <a:p>
             <a:fld id="{F4BF5C5D-D401-4B80-922B-8926FE5B6186}" type="datetimeFigureOut">
               <a:rPr kumimoji="1" lang="ja-JP" altLang="en-US" smtClean="0"/>
-              <a:t>2018/12/20</a:t>
+              <a:t>2019/1/9</a:t>
             </a:fld>
             <a:endParaRPr kumimoji="1" lang="ja-JP" altLang="en-US"/>
           </a:p>
@@ -336,10 +338,9 @@
           <a:lstStyle/>
           <a:p>
             <a:r>
-              <a:rPr kumimoji="1" lang="ja-JP" altLang="en-US" smtClean="0"/>
+              <a:rPr kumimoji="1" lang="ja-JP" altLang="en-US"/>
               <a:t>マスター タイトルの書式設定</a:t>
             </a:r>
-            <a:endParaRPr kumimoji="1" lang="ja-JP" altLang="en-US"/>
           </a:p>
         </p:txBody>
       </p:sp>
@@ -360,70 +361,69 @@
           <a:p>
             <a:pPr lvl="0"/>
             <a:r>
-              <a:rPr kumimoji="1" lang="ja-JP" altLang="en-US" smtClean="0"/>
+              <a:rPr kumimoji="1" lang="ja-JP" altLang="en-US"/>
               <a:t>マスター テキストの書式設定</a:t>
             </a:r>
           </a:p>
           <a:p>
             <a:pPr lvl="1"/>
             <a:r>
-              <a:rPr kumimoji="1" lang="ja-JP" altLang="en-US" smtClean="0"/>
+              <a:rPr kumimoji="1" lang="ja-JP" altLang="en-US"/>
               <a:t>第 </a:t>
             </a:r>
             <a:r>
-              <a:rPr kumimoji="1" lang="en-US" altLang="ja-JP" smtClean="0"/>
+              <a:rPr kumimoji="1" lang="en-US" altLang="ja-JP"/>
               <a:t>2 </a:t>
             </a:r>
             <a:r>
-              <a:rPr kumimoji="1" lang="ja-JP" altLang="en-US" smtClean="0"/>
+              <a:rPr kumimoji="1" lang="ja-JP" altLang="en-US"/>
               <a:t>レベル</a:t>
             </a:r>
           </a:p>
           <a:p>
             <a:pPr lvl="2"/>
             <a:r>
-              <a:rPr kumimoji="1" lang="ja-JP" altLang="en-US" smtClean="0"/>
+              <a:rPr kumimoji="1" lang="ja-JP" altLang="en-US"/>
               <a:t>第 </a:t>
             </a:r>
             <a:r>
-              <a:rPr kumimoji="1" lang="en-US" altLang="ja-JP" smtClean="0"/>
+              <a:rPr kumimoji="1" lang="en-US" altLang="ja-JP"/>
               <a:t>3 </a:t>
             </a:r>
             <a:r>
-              <a:rPr kumimoji="1" lang="ja-JP" altLang="en-US" smtClean="0"/>
+              <a:rPr kumimoji="1" lang="ja-JP" altLang="en-US"/>
               <a:t>レベル</a:t>
             </a:r>
           </a:p>
           <a:p>
             <a:pPr lvl="3"/>
             <a:r>
-              <a:rPr kumimoji="1" lang="ja-JP" altLang="en-US" smtClean="0"/>
+              <a:rPr kumimoji="1" lang="ja-JP" altLang="en-US"/>
               <a:t>第 </a:t>
             </a:r>
             <a:r>
-              <a:rPr kumimoji="1" lang="en-US" altLang="ja-JP" smtClean="0"/>
+              <a:rPr kumimoji="1" lang="en-US" altLang="ja-JP"/>
               <a:t>4 </a:t>
             </a:r>
             <a:r>
-              <a:rPr kumimoji="1" lang="ja-JP" altLang="en-US" smtClean="0"/>
+              <a:rPr kumimoji="1" lang="ja-JP" altLang="en-US"/>
               <a:t>レベル</a:t>
             </a:r>
           </a:p>
           <a:p>
             <a:pPr lvl="4"/>
             <a:r>
-              <a:rPr kumimoji="1" lang="ja-JP" altLang="en-US" smtClean="0"/>
+              <a:rPr kumimoji="1" lang="ja-JP" altLang="en-US"/>
               <a:t>第 </a:t>
             </a:r>
             <a:r>
-              <a:rPr kumimoji="1" lang="en-US" altLang="ja-JP" smtClean="0"/>
+              <a:rPr kumimoji="1" lang="en-US" altLang="ja-JP"/>
               <a:t>5 </a:t>
             </a:r>
             <a:r>
-              <a:rPr kumimoji="1" lang="ja-JP" altLang="en-US" smtClean="0"/>
+              <a:rPr kumimoji="1" lang="ja-JP" altLang="en-US"/>
               <a:t>レベル</a:t>
             </a:r>
-            <a:endParaRPr kumimoji="1" lang="ja-JP" altLang="en-US"/>
           </a:p>
         </p:txBody>
       </p:sp>
@@ -444,7 +444,7 @@
           <a:p>
             <a:fld id="{F4BF5C5D-D401-4B80-922B-8926FE5B6186}" type="datetimeFigureOut">
               <a:rPr kumimoji="1" lang="ja-JP" altLang="en-US" smtClean="0"/>
-              <a:t>2018/12/20</a:t>
+              <a:t>2019/1/9</a:t>
             </a:fld>
             <a:endParaRPr kumimoji="1" lang="ja-JP" altLang="en-US"/>
           </a:p>
@@ -543,10 +543,9 @@
           <a:lstStyle/>
           <a:p>
             <a:r>
-              <a:rPr kumimoji="1" lang="ja-JP" altLang="en-US" smtClean="0"/>
+              <a:rPr kumimoji="1" lang="ja-JP" altLang="en-US"/>
               <a:t>マスター タイトルの書式設定</a:t>
             </a:r>
-            <a:endParaRPr kumimoji="1" lang="ja-JP" altLang="en-US"/>
           </a:p>
         </p:txBody>
       </p:sp>
@@ -572,70 +571,69 @@
           <a:p>
             <a:pPr lvl="0"/>
             <a:r>
-              <a:rPr kumimoji="1" lang="ja-JP" altLang="en-US" smtClean="0"/>
+              <a:rPr kumimoji="1" lang="ja-JP" altLang="en-US"/>
               <a:t>マスター テキストの書式設定</a:t>
             </a:r>
           </a:p>
           <a:p>
             <a:pPr lvl="1"/>
             <a:r>
-              <a:rPr kumimoji="1" lang="ja-JP" altLang="en-US" smtClean="0"/>
+              <a:rPr kumimoji="1" lang="ja-JP" altLang="en-US"/>
               <a:t>第 </a:t>
             </a:r>
             <a:r>
-              <a:rPr kumimoji="1" lang="en-US" altLang="ja-JP" smtClean="0"/>
+              <a:rPr kumimoji="1" lang="en-US" altLang="ja-JP"/>
               <a:t>2 </a:t>
             </a:r>
             <a:r>
-              <a:rPr kumimoji="1" lang="ja-JP" altLang="en-US" smtClean="0"/>
+              <a:rPr kumimoji="1" lang="ja-JP" altLang="en-US"/>
               <a:t>レベル</a:t>
             </a:r>
           </a:p>
           <a:p>
             <a:pPr lvl="2"/>
             <a:r>
-              <a:rPr kumimoji="1" lang="ja-JP" altLang="en-US" smtClean="0"/>
+              <a:rPr kumimoji="1" lang="ja-JP" altLang="en-US"/>
               <a:t>第 </a:t>
             </a:r>
             <a:r>
-              <a:rPr kumimoji="1" lang="en-US" altLang="ja-JP" smtClean="0"/>
+              <a:rPr kumimoji="1" lang="en-US" altLang="ja-JP"/>
               <a:t>3 </a:t>
             </a:r>
             <a:r>
-              <a:rPr kumimoji="1" lang="ja-JP" altLang="en-US" smtClean="0"/>
+              <a:rPr kumimoji="1" lang="ja-JP" altLang="en-US"/>
               <a:t>レベル</a:t>
             </a:r>
           </a:p>
           <a:p>
             <a:pPr lvl="3"/>
             <a:r>
-              <a:rPr kumimoji="1" lang="ja-JP" altLang="en-US" smtClean="0"/>
+              <a:rPr kumimoji="1" lang="ja-JP" altLang="en-US"/>
               <a:t>第 </a:t>
             </a:r>
             <a:r>
-              <a:rPr kumimoji="1" lang="en-US" altLang="ja-JP" smtClean="0"/>
+              <a:rPr kumimoji="1" lang="en-US" altLang="ja-JP"/>
               <a:t>4 </a:t>
             </a:r>
             <a:r>
-              <a:rPr kumimoji="1" lang="ja-JP" altLang="en-US" smtClean="0"/>
+              <a:rPr kumimoji="1" lang="ja-JP" altLang="en-US"/>
               <a:t>レベル</a:t>
             </a:r>
           </a:p>
           <a:p>
             <a:pPr lvl="4"/>
             <a:r>
-              <a:rPr kumimoji="1" lang="ja-JP" altLang="en-US" smtClean="0"/>
+              <a:rPr kumimoji="1" lang="ja-JP" altLang="en-US"/>
               <a:t>第 </a:t>
             </a:r>
             <a:r>
-              <a:rPr kumimoji="1" lang="en-US" altLang="ja-JP" smtClean="0"/>
+              <a:rPr kumimoji="1" lang="en-US" altLang="ja-JP"/>
               <a:t>5 </a:t>
             </a:r>
             <a:r>
-              <a:rPr kumimoji="1" lang="ja-JP" altLang="en-US" smtClean="0"/>
+              <a:rPr kumimoji="1" lang="ja-JP" altLang="en-US"/>
               <a:t>レベル</a:t>
             </a:r>
-            <a:endParaRPr kumimoji="1" lang="ja-JP" altLang="en-US"/>
           </a:p>
         </p:txBody>
       </p:sp>
@@ -656,7 +654,7 @@
           <a:p>
             <a:fld id="{F4BF5C5D-D401-4B80-922B-8926FE5B6186}" type="datetimeFigureOut">
               <a:rPr kumimoji="1" lang="ja-JP" altLang="en-US" smtClean="0"/>
-              <a:t>2018/12/20</a:t>
+              <a:t>2019/1/9</a:t>
             </a:fld>
             <a:endParaRPr kumimoji="1" lang="ja-JP" altLang="en-US"/>
           </a:p>
@@ -750,10 +748,9 @@
           <a:lstStyle/>
           <a:p>
             <a:r>
-              <a:rPr kumimoji="1" lang="ja-JP" altLang="en-US" smtClean="0"/>
+              <a:rPr kumimoji="1" lang="ja-JP" altLang="en-US"/>
               <a:t>マスター タイトルの書式設定</a:t>
             </a:r>
-            <a:endParaRPr kumimoji="1" lang="ja-JP" altLang="en-US"/>
           </a:p>
         </p:txBody>
       </p:sp>
@@ -774,70 +771,69 @@
           <a:p>
             <a:pPr lvl="0"/>
             <a:r>
-              <a:rPr kumimoji="1" lang="ja-JP" altLang="en-US" smtClean="0"/>
+              <a:rPr kumimoji="1" lang="ja-JP" altLang="en-US"/>
               <a:t>マスター テキストの書式設定</a:t>
             </a:r>
           </a:p>
           <a:p>
             <a:pPr lvl="1"/>
             <a:r>
-              <a:rPr kumimoji="1" lang="ja-JP" altLang="en-US" smtClean="0"/>
+              <a:rPr kumimoji="1" lang="ja-JP" altLang="en-US"/>
               <a:t>第 </a:t>
             </a:r>
             <a:r>
-              <a:rPr kumimoji="1" lang="en-US" altLang="ja-JP" smtClean="0"/>
+              <a:rPr kumimoji="1" lang="en-US" altLang="ja-JP"/>
               <a:t>2 </a:t>
             </a:r>
             <a:r>
-              <a:rPr kumimoji="1" lang="ja-JP" altLang="en-US" smtClean="0"/>
+              <a:rPr kumimoji="1" lang="ja-JP" altLang="en-US"/>
               <a:t>レベル</a:t>
             </a:r>
           </a:p>
           <a:p>
             <a:pPr lvl="2"/>
             <a:r>
-              <a:rPr kumimoji="1" lang="ja-JP" altLang="en-US" smtClean="0"/>
+              <a:rPr kumimoji="1" lang="ja-JP" altLang="en-US"/>
               <a:t>第 </a:t>
             </a:r>
             <a:r>
-              <a:rPr kumimoji="1" lang="en-US" altLang="ja-JP" smtClean="0"/>
+              <a:rPr kumimoji="1" lang="en-US" altLang="ja-JP"/>
               <a:t>3 </a:t>
             </a:r>
             <a:r>
-              <a:rPr kumimoji="1" lang="ja-JP" altLang="en-US" smtClean="0"/>
+              <a:rPr kumimoji="1" lang="ja-JP" altLang="en-US"/>
               <a:t>レベル</a:t>
             </a:r>
           </a:p>
           <a:p>
             <a:pPr lvl="3"/>
             <a:r>
-              <a:rPr kumimoji="1" lang="ja-JP" altLang="en-US" smtClean="0"/>
+              <a:rPr kumimoji="1" lang="ja-JP" altLang="en-US"/>
               <a:t>第 </a:t>
             </a:r>
             <a:r>
-              <a:rPr kumimoji="1" lang="en-US" altLang="ja-JP" smtClean="0"/>
+              <a:rPr kumimoji="1" lang="en-US" altLang="ja-JP"/>
               <a:t>4 </a:t>
             </a:r>
             <a:r>
-              <a:rPr kumimoji="1" lang="ja-JP" altLang="en-US" smtClean="0"/>
+              <a:rPr kumimoji="1" lang="ja-JP" altLang="en-US"/>
               <a:t>レベル</a:t>
             </a:r>
           </a:p>
           <a:p>
             <a:pPr lvl="4"/>
             <a:r>
-              <a:rPr kumimoji="1" lang="ja-JP" altLang="en-US" smtClean="0"/>
+              <a:rPr kumimoji="1" lang="ja-JP" altLang="en-US"/>
               <a:t>第 </a:t>
             </a:r>
             <a:r>
-              <a:rPr kumimoji="1" lang="en-US" altLang="ja-JP" smtClean="0"/>
+              <a:rPr kumimoji="1" lang="en-US" altLang="ja-JP"/>
               <a:t>5 </a:t>
             </a:r>
             <a:r>
-              <a:rPr kumimoji="1" lang="ja-JP" altLang="en-US" smtClean="0"/>
+              <a:rPr kumimoji="1" lang="ja-JP" altLang="en-US"/>
               <a:t>レベル</a:t>
             </a:r>
-            <a:endParaRPr kumimoji="1" lang="ja-JP" altLang="en-US"/>
           </a:p>
         </p:txBody>
       </p:sp>
@@ -858,7 +854,7 @@
           <a:p>
             <a:fld id="{F4BF5C5D-D401-4B80-922B-8926FE5B6186}" type="datetimeFigureOut">
               <a:rPr kumimoji="1" lang="ja-JP" altLang="en-US" smtClean="0"/>
-              <a:t>2018/12/20</a:t>
+              <a:t>2019/1/9</a:t>
             </a:fld>
             <a:endParaRPr kumimoji="1" lang="ja-JP" altLang="en-US"/>
           </a:p>
@@ -961,10 +957,9 @@
           </a:lstStyle>
           <a:p>
             <a:r>
-              <a:rPr kumimoji="1" lang="ja-JP" altLang="en-US" smtClean="0"/>
+              <a:rPr kumimoji="1" lang="ja-JP" altLang="en-US"/>
               <a:t>マスター タイトルの書式設定</a:t>
             </a:r>
-            <a:endParaRPr kumimoji="1" lang="ja-JP" altLang="en-US"/>
           </a:p>
         </p:txBody>
       </p:sp>
@@ -1081,7 +1076,7 @@
           <a:p>
             <a:pPr lvl="0"/>
             <a:r>
-              <a:rPr kumimoji="1" lang="ja-JP" altLang="en-US" smtClean="0"/>
+              <a:rPr kumimoji="1" lang="ja-JP" altLang="en-US"/>
               <a:t>マスター テキストの書式設定</a:t>
             </a:r>
           </a:p>
@@ -1104,7 +1099,7 @@
           <a:p>
             <a:fld id="{F4BF5C5D-D401-4B80-922B-8926FE5B6186}" type="datetimeFigureOut">
               <a:rPr kumimoji="1" lang="ja-JP" altLang="en-US" smtClean="0"/>
-              <a:t>2018/12/20</a:t>
+              <a:t>2019/1/9</a:t>
             </a:fld>
             <a:endParaRPr kumimoji="1" lang="ja-JP" altLang="en-US"/>
           </a:p>
@@ -1198,10 +1193,9 @@
           <a:lstStyle/>
           <a:p>
             <a:r>
-              <a:rPr kumimoji="1" lang="ja-JP" altLang="en-US" smtClean="0"/>
+              <a:rPr kumimoji="1" lang="ja-JP" altLang="en-US"/>
               <a:t>マスター タイトルの書式設定</a:t>
             </a:r>
-            <a:endParaRPr kumimoji="1" lang="ja-JP" altLang="en-US"/>
           </a:p>
         </p:txBody>
       </p:sp>
@@ -1227,70 +1221,69 @@
           <a:p>
             <a:pPr lvl="0"/>
             <a:r>
-              <a:rPr kumimoji="1" lang="ja-JP" altLang="en-US" smtClean="0"/>
+              <a:rPr kumimoji="1" lang="ja-JP" altLang="en-US"/>
               <a:t>マスター テキストの書式設定</a:t>
             </a:r>
           </a:p>
           <a:p>
             <a:pPr lvl="1"/>
             <a:r>
-              <a:rPr kumimoji="1" lang="ja-JP" altLang="en-US" smtClean="0"/>
+              <a:rPr kumimoji="1" lang="ja-JP" altLang="en-US"/>
               <a:t>第 </a:t>
             </a:r>
             <a:r>
-              <a:rPr kumimoji="1" lang="en-US" altLang="ja-JP" smtClean="0"/>
+              <a:rPr kumimoji="1" lang="en-US" altLang="ja-JP"/>
               <a:t>2 </a:t>
             </a:r>
             <a:r>
-              <a:rPr kumimoji="1" lang="ja-JP" altLang="en-US" smtClean="0"/>
+              <a:rPr kumimoji="1" lang="ja-JP" altLang="en-US"/>
               <a:t>レベル</a:t>
             </a:r>
           </a:p>
           <a:p>
             <a:pPr lvl="2"/>
             <a:r>
-              <a:rPr kumimoji="1" lang="ja-JP" altLang="en-US" smtClean="0"/>
+              <a:rPr kumimoji="1" lang="ja-JP" altLang="en-US"/>
               <a:t>第 </a:t>
             </a:r>
             <a:r>
-              <a:rPr kumimoji="1" lang="en-US" altLang="ja-JP" smtClean="0"/>
+              <a:rPr kumimoji="1" lang="en-US" altLang="ja-JP"/>
               <a:t>3 </a:t>
             </a:r>
             <a:r>
-              <a:rPr kumimoji="1" lang="ja-JP" altLang="en-US" smtClean="0"/>
+              <a:rPr kumimoji="1" lang="ja-JP" altLang="en-US"/>
               <a:t>レベル</a:t>
             </a:r>
           </a:p>
           <a:p>
             <a:pPr lvl="3"/>
             <a:r>
-              <a:rPr kumimoji="1" lang="ja-JP" altLang="en-US" smtClean="0"/>
+              <a:rPr kumimoji="1" lang="ja-JP" altLang="en-US"/>
               <a:t>第 </a:t>
             </a:r>
             <a:r>
-              <a:rPr kumimoji="1" lang="en-US" altLang="ja-JP" smtClean="0"/>
+              <a:rPr kumimoji="1" lang="en-US" altLang="ja-JP"/>
               <a:t>4 </a:t>
             </a:r>
             <a:r>
-              <a:rPr kumimoji="1" lang="ja-JP" altLang="en-US" smtClean="0"/>
+              <a:rPr kumimoji="1" lang="ja-JP" altLang="en-US"/>
               <a:t>レベル</a:t>
             </a:r>
           </a:p>
           <a:p>
             <a:pPr lvl="4"/>
             <a:r>
-              <a:rPr kumimoji="1" lang="ja-JP" altLang="en-US" smtClean="0"/>
+              <a:rPr kumimoji="1" lang="ja-JP" altLang="en-US"/>
               <a:t>第 </a:t>
             </a:r>
             <a:r>
-              <a:rPr kumimoji="1" lang="en-US" altLang="ja-JP" smtClean="0"/>
+              <a:rPr kumimoji="1" lang="en-US" altLang="ja-JP"/>
               <a:t>5 </a:t>
             </a:r>
             <a:r>
-              <a:rPr kumimoji="1" lang="ja-JP" altLang="en-US" smtClean="0"/>
+              <a:rPr kumimoji="1" lang="ja-JP" altLang="en-US"/>
               <a:t>レベル</a:t>
             </a:r>
-            <a:endParaRPr kumimoji="1" lang="ja-JP" altLang="en-US"/>
           </a:p>
         </p:txBody>
       </p:sp>
@@ -1316,70 +1309,69 @@
           <a:p>
             <a:pPr lvl="0"/>
             <a:r>
-              <a:rPr kumimoji="1" lang="ja-JP" altLang="en-US" smtClean="0"/>
+              <a:rPr kumimoji="1" lang="ja-JP" altLang="en-US"/>
               <a:t>マスター テキストの書式設定</a:t>
             </a:r>
           </a:p>
           <a:p>
             <a:pPr lvl="1"/>
             <a:r>
-              <a:rPr kumimoji="1" lang="ja-JP" altLang="en-US" smtClean="0"/>
+              <a:rPr kumimoji="1" lang="ja-JP" altLang="en-US"/>
               <a:t>第 </a:t>
             </a:r>
             <a:r>
-              <a:rPr kumimoji="1" lang="en-US" altLang="ja-JP" smtClean="0"/>
+              <a:rPr kumimoji="1" lang="en-US" altLang="ja-JP"/>
               <a:t>2 </a:t>
             </a:r>
             <a:r>
-              <a:rPr kumimoji="1" lang="ja-JP" altLang="en-US" smtClean="0"/>
+              <a:rPr kumimoji="1" lang="ja-JP" altLang="en-US"/>
               <a:t>レベル</a:t>
             </a:r>
           </a:p>
           <a:p>
             <a:pPr lvl="2"/>
             <a:r>
-              <a:rPr kumimoji="1" lang="ja-JP" altLang="en-US" smtClean="0"/>
+              <a:rPr kumimoji="1" lang="ja-JP" altLang="en-US"/>
               <a:t>第 </a:t>
             </a:r>
             <a:r>
-              <a:rPr kumimoji="1" lang="en-US" altLang="ja-JP" smtClean="0"/>
+              <a:rPr kumimoji="1" lang="en-US" altLang="ja-JP"/>
               <a:t>3 </a:t>
             </a:r>
             <a:r>
-              <a:rPr kumimoji="1" lang="ja-JP" altLang="en-US" smtClean="0"/>
+              <a:rPr kumimoji="1" lang="ja-JP" altLang="en-US"/>
               <a:t>レベル</a:t>
             </a:r>
           </a:p>
           <a:p>
             <a:pPr lvl="3"/>
             <a:r>
-              <a:rPr kumimoji="1" lang="ja-JP" altLang="en-US" smtClean="0"/>
+              <a:rPr kumimoji="1" lang="ja-JP" altLang="en-US"/>
               <a:t>第 </a:t>
             </a:r>
             <a:r>
-              <a:rPr kumimoji="1" lang="en-US" altLang="ja-JP" smtClean="0"/>
+              <a:rPr kumimoji="1" lang="en-US" altLang="ja-JP"/>
               <a:t>4 </a:t>
             </a:r>
             <a:r>
-              <a:rPr kumimoji="1" lang="ja-JP" altLang="en-US" smtClean="0"/>
+              <a:rPr kumimoji="1" lang="ja-JP" altLang="en-US"/>
               <a:t>レベル</a:t>
             </a:r>
           </a:p>
           <a:p>
             <a:pPr lvl="4"/>
             <a:r>
-              <a:rPr kumimoji="1" lang="ja-JP" altLang="en-US" smtClean="0"/>
+              <a:rPr kumimoji="1" lang="ja-JP" altLang="en-US"/>
               <a:t>第 </a:t>
             </a:r>
             <a:r>
-              <a:rPr kumimoji="1" lang="en-US" altLang="ja-JP" smtClean="0"/>
+              <a:rPr kumimoji="1" lang="en-US" altLang="ja-JP"/>
               <a:t>5 </a:t>
             </a:r>
             <a:r>
-              <a:rPr kumimoji="1" lang="ja-JP" altLang="en-US" smtClean="0"/>
+              <a:rPr kumimoji="1" lang="ja-JP" altLang="en-US"/>
               <a:t>レベル</a:t>
             </a:r>
-            <a:endParaRPr kumimoji="1" lang="ja-JP" altLang="en-US"/>
           </a:p>
         </p:txBody>
       </p:sp>
@@ -1400,7 +1392,7 @@
           <a:p>
             <a:fld id="{F4BF5C5D-D401-4B80-922B-8926FE5B6186}" type="datetimeFigureOut">
               <a:rPr kumimoji="1" lang="ja-JP" altLang="en-US" smtClean="0"/>
-              <a:t>2018/12/20</a:t>
+              <a:t>2019/1/9</a:t>
             </a:fld>
             <a:endParaRPr kumimoji="1" lang="ja-JP" altLang="en-US"/>
           </a:p>
@@ -1499,10 +1491,9 @@
           <a:lstStyle/>
           <a:p>
             <a:r>
-              <a:rPr kumimoji="1" lang="ja-JP" altLang="en-US" smtClean="0"/>
+              <a:rPr kumimoji="1" lang="ja-JP" altLang="en-US"/>
               <a:t>マスター タイトルの書式設定</a:t>
             </a:r>
-            <a:endParaRPr kumimoji="1" lang="ja-JP" altLang="en-US"/>
           </a:p>
         </p:txBody>
       </p:sp>
@@ -1565,7 +1556,7 @@
           <a:p>
             <a:pPr lvl="0"/>
             <a:r>
-              <a:rPr kumimoji="1" lang="ja-JP" altLang="en-US" smtClean="0"/>
+              <a:rPr kumimoji="1" lang="ja-JP" altLang="en-US"/>
               <a:t>マスター テキストの書式設定</a:t>
             </a:r>
           </a:p>
@@ -1593,70 +1584,69 @@
           <a:p>
             <a:pPr lvl="0"/>
             <a:r>
-              <a:rPr kumimoji="1" lang="ja-JP" altLang="en-US" smtClean="0"/>
+              <a:rPr kumimoji="1" lang="ja-JP" altLang="en-US"/>
               <a:t>マスター テキストの書式設定</a:t>
             </a:r>
           </a:p>
           <a:p>
             <a:pPr lvl="1"/>
             <a:r>
-              <a:rPr kumimoji="1" lang="ja-JP" altLang="en-US" smtClean="0"/>
+              <a:rPr kumimoji="1" lang="ja-JP" altLang="en-US"/>
               <a:t>第 </a:t>
             </a:r>
             <a:r>
-              <a:rPr kumimoji="1" lang="en-US" altLang="ja-JP" smtClean="0"/>
+              <a:rPr kumimoji="1" lang="en-US" altLang="ja-JP"/>
               <a:t>2 </a:t>
             </a:r>
             <a:r>
-              <a:rPr kumimoji="1" lang="ja-JP" altLang="en-US" smtClean="0"/>
+              <a:rPr kumimoji="1" lang="ja-JP" altLang="en-US"/>
               <a:t>レベル</a:t>
             </a:r>
           </a:p>
           <a:p>
             <a:pPr lvl="2"/>
             <a:r>
-              <a:rPr kumimoji="1" lang="ja-JP" altLang="en-US" smtClean="0"/>
+              <a:rPr kumimoji="1" lang="ja-JP" altLang="en-US"/>
               <a:t>第 </a:t>
             </a:r>
             <a:r>
-              <a:rPr kumimoji="1" lang="en-US" altLang="ja-JP" smtClean="0"/>
+              <a:rPr kumimoji="1" lang="en-US" altLang="ja-JP"/>
               <a:t>3 </a:t>
             </a:r>
             <a:r>
-              <a:rPr kumimoji="1" lang="ja-JP" altLang="en-US" smtClean="0"/>
+              <a:rPr kumimoji="1" lang="ja-JP" altLang="en-US"/>
               <a:t>レベル</a:t>
             </a:r>
           </a:p>
           <a:p>
             <a:pPr lvl="3"/>
             <a:r>
-              <a:rPr kumimoji="1" lang="ja-JP" altLang="en-US" smtClean="0"/>
+              <a:rPr kumimoji="1" lang="ja-JP" altLang="en-US"/>
               <a:t>第 </a:t>
             </a:r>
             <a:r>
-              <a:rPr kumimoji="1" lang="en-US" altLang="ja-JP" smtClean="0"/>
+              <a:rPr kumimoji="1" lang="en-US" altLang="ja-JP"/>
               <a:t>4 </a:t>
             </a:r>
             <a:r>
-              <a:rPr kumimoji="1" lang="ja-JP" altLang="en-US" smtClean="0"/>
+              <a:rPr kumimoji="1" lang="ja-JP" altLang="en-US"/>
               <a:t>レベル</a:t>
             </a:r>
           </a:p>
           <a:p>
             <a:pPr lvl="4"/>
             <a:r>
-              <a:rPr kumimoji="1" lang="ja-JP" altLang="en-US" smtClean="0"/>
+              <a:rPr kumimoji="1" lang="ja-JP" altLang="en-US"/>
               <a:t>第 </a:t>
             </a:r>
             <a:r>
-              <a:rPr kumimoji="1" lang="en-US" altLang="ja-JP" smtClean="0"/>
+              <a:rPr kumimoji="1" lang="en-US" altLang="ja-JP"/>
               <a:t>5 </a:t>
             </a:r>
             <a:r>
-              <a:rPr kumimoji="1" lang="ja-JP" altLang="en-US" smtClean="0"/>
+              <a:rPr kumimoji="1" lang="ja-JP" altLang="en-US"/>
               <a:t>レベル</a:t>
             </a:r>
-            <a:endParaRPr kumimoji="1" lang="ja-JP" altLang="en-US"/>
           </a:p>
         </p:txBody>
       </p:sp>
@@ -1719,7 +1709,7 @@
           <a:p>
             <a:pPr lvl="0"/>
             <a:r>
-              <a:rPr kumimoji="1" lang="ja-JP" altLang="en-US" smtClean="0"/>
+              <a:rPr kumimoji="1" lang="ja-JP" altLang="en-US"/>
               <a:t>マスター テキストの書式設定</a:t>
             </a:r>
           </a:p>
@@ -1747,70 +1737,69 @@
           <a:p>
             <a:pPr lvl="0"/>
             <a:r>
-              <a:rPr kumimoji="1" lang="ja-JP" altLang="en-US" smtClean="0"/>
+              <a:rPr kumimoji="1" lang="ja-JP" altLang="en-US"/>
               <a:t>マスター テキストの書式設定</a:t>
             </a:r>
           </a:p>
           <a:p>
             <a:pPr lvl="1"/>
             <a:r>
-              <a:rPr kumimoji="1" lang="ja-JP" altLang="en-US" smtClean="0"/>
+              <a:rPr kumimoji="1" lang="ja-JP" altLang="en-US"/>
               <a:t>第 </a:t>
             </a:r>
             <a:r>
-              <a:rPr kumimoji="1" lang="en-US" altLang="ja-JP" smtClean="0"/>
+              <a:rPr kumimoji="1" lang="en-US" altLang="ja-JP"/>
               <a:t>2 </a:t>
             </a:r>
             <a:r>
-              <a:rPr kumimoji="1" lang="ja-JP" altLang="en-US" smtClean="0"/>
+              <a:rPr kumimoji="1" lang="ja-JP" altLang="en-US"/>
               <a:t>レベル</a:t>
             </a:r>
           </a:p>
           <a:p>
             <a:pPr lvl="2"/>
             <a:r>
-              <a:rPr kumimoji="1" lang="ja-JP" altLang="en-US" smtClean="0"/>
+              <a:rPr kumimoji="1" lang="ja-JP" altLang="en-US"/>
               <a:t>第 </a:t>
             </a:r>
             <a:r>
-              <a:rPr kumimoji="1" lang="en-US" altLang="ja-JP" smtClean="0"/>
+              <a:rPr kumimoji="1" lang="en-US" altLang="ja-JP"/>
               <a:t>3 </a:t>
             </a:r>
             <a:r>
-              <a:rPr kumimoji="1" lang="ja-JP" altLang="en-US" smtClean="0"/>
+              <a:rPr kumimoji="1" lang="ja-JP" altLang="en-US"/>
               <a:t>レベル</a:t>
             </a:r>
           </a:p>
           <a:p>
             <a:pPr lvl="3"/>
             <a:r>
-              <a:rPr kumimoji="1" lang="ja-JP" altLang="en-US" smtClean="0"/>
+              <a:rPr kumimoji="1" lang="ja-JP" altLang="en-US"/>
               <a:t>第 </a:t>
             </a:r>
             <a:r>
-              <a:rPr kumimoji="1" lang="en-US" altLang="ja-JP" smtClean="0"/>
+              <a:rPr kumimoji="1" lang="en-US" altLang="ja-JP"/>
               <a:t>4 </a:t>
             </a:r>
             <a:r>
-              <a:rPr kumimoji="1" lang="ja-JP" altLang="en-US" smtClean="0"/>
+              <a:rPr kumimoji="1" lang="ja-JP" altLang="en-US"/>
               <a:t>レベル</a:t>
             </a:r>
           </a:p>
           <a:p>
             <a:pPr lvl="4"/>
             <a:r>
-              <a:rPr kumimoji="1" lang="ja-JP" altLang="en-US" smtClean="0"/>
+              <a:rPr kumimoji="1" lang="ja-JP" altLang="en-US"/>
               <a:t>第 </a:t>
             </a:r>
             <a:r>
-              <a:rPr kumimoji="1" lang="en-US" altLang="ja-JP" smtClean="0"/>
+              <a:rPr kumimoji="1" lang="en-US" altLang="ja-JP"/>
               <a:t>5 </a:t>
             </a:r>
             <a:r>
-              <a:rPr kumimoji="1" lang="ja-JP" altLang="en-US" smtClean="0"/>
+              <a:rPr kumimoji="1" lang="ja-JP" altLang="en-US"/>
               <a:t>レベル</a:t>
             </a:r>
-            <a:endParaRPr kumimoji="1" lang="ja-JP" altLang="en-US"/>
           </a:p>
         </p:txBody>
       </p:sp>
@@ -1831,7 +1820,7 @@
           <a:p>
             <a:fld id="{F4BF5C5D-D401-4B80-922B-8926FE5B6186}" type="datetimeFigureOut">
               <a:rPr kumimoji="1" lang="ja-JP" altLang="en-US" smtClean="0"/>
-              <a:t>2018/12/20</a:t>
+              <a:t>2019/1/9</a:t>
             </a:fld>
             <a:endParaRPr kumimoji="1" lang="ja-JP" altLang="en-US"/>
           </a:p>
@@ -1925,10 +1914,9 @@
           <a:lstStyle/>
           <a:p>
             <a:r>
-              <a:rPr kumimoji="1" lang="ja-JP" altLang="en-US" smtClean="0"/>
+              <a:rPr kumimoji="1" lang="ja-JP" altLang="en-US"/>
               <a:t>マスター タイトルの書式設定</a:t>
             </a:r>
-            <a:endParaRPr kumimoji="1" lang="ja-JP" altLang="en-US"/>
           </a:p>
         </p:txBody>
       </p:sp>
@@ -1949,7 +1937,7 @@
           <a:p>
             <a:fld id="{F4BF5C5D-D401-4B80-922B-8926FE5B6186}" type="datetimeFigureOut">
               <a:rPr kumimoji="1" lang="ja-JP" altLang="en-US" smtClean="0"/>
-              <a:t>2018/12/20</a:t>
+              <a:t>2019/1/9</a:t>
             </a:fld>
             <a:endParaRPr kumimoji="1" lang="ja-JP" altLang="en-US"/>
           </a:p>
@@ -2044,7 +2032,7 @@
           <a:p>
             <a:fld id="{F4BF5C5D-D401-4B80-922B-8926FE5B6186}" type="datetimeFigureOut">
               <a:rPr kumimoji="1" lang="ja-JP" altLang="en-US" smtClean="0"/>
-              <a:t>2018/12/20</a:t>
+              <a:t>2019/1/9</a:t>
             </a:fld>
             <a:endParaRPr kumimoji="1" lang="ja-JP" altLang="en-US"/>
           </a:p>
@@ -2147,10 +2135,9 @@
           </a:lstStyle>
           <a:p>
             <a:r>
-              <a:rPr kumimoji="1" lang="ja-JP" altLang="en-US" smtClean="0"/>
+              <a:rPr kumimoji="1" lang="ja-JP" altLang="en-US"/>
               <a:t>マスター タイトルの書式設定</a:t>
             </a:r>
-            <a:endParaRPr kumimoji="1" lang="ja-JP" altLang="en-US"/>
           </a:p>
         </p:txBody>
       </p:sp>
@@ -2204,70 +2191,69 @@
           <a:p>
             <a:pPr lvl="0"/>
             <a:r>
-              <a:rPr kumimoji="1" lang="ja-JP" altLang="en-US" smtClean="0"/>
+              <a:rPr kumimoji="1" lang="ja-JP" altLang="en-US"/>
               <a:t>マスター テキストの書式設定</a:t>
             </a:r>
           </a:p>
           <a:p>
             <a:pPr lvl="1"/>
             <a:r>
-              <a:rPr kumimoji="1" lang="ja-JP" altLang="en-US" smtClean="0"/>
+              <a:rPr kumimoji="1" lang="ja-JP" altLang="en-US"/>
               <a:t>第 </a:t>
             </a:r>
             <a:r>
-              <a:rPr kumimoji="1" lang="en-US" altLang="ja-JP" smtClean="0"/>
+              <a:rPr kumimoji="1" lang="en-US" altLang="ja-JP"/>
               <a:t>2 </a:t>
             </a:r>
             <a:r>
-              <a:rPr kumimoji="1" lang="ja-JP" altLang="en-US" smtClean="0"/>
+              <a:rPr kumimoji="1" lang="ja-JP" altLang="en-US"/>
               <a:t>レベル</a:t>
             </a:r>
           </a:p>
           <a:p>
             <a:pPr lvl="2"/>
             <a:r>
-              <a:rPr kumimoji="1" lang="ja-JP" altLang="en-US" smtClean="0"/>
+              <a:rPr kumimoji="1" lang="ja-JP" altLang="en-US"/>
               <a:t>第 </a:t>
             </a:r>
             <a:r>
-              <a:rPr kumimoji="1" lang="en-US" altLang="ja-JP" smtClean="0"/>
+              <a:rPr kumimoji="1" lang="en-US" altLang="ja-JP"/>
               <a:t>3 </a:t>
             </a:r>
             <a:r>
-              <a:rPr kumimoji="1" lang="ja-JP" altLang="en-US" smtClean="0"/>
+              <a:rPr kumimoji="1" lang="ja-JP" altLang="en-US"/>
               <a:t>レベル</a:t>
             </a:r>
           </a:p>
           <a:p>
             <a:pPr lvl="3"/>
             <a:r>
-              <a:rPr kumimoji="1" lang="ja-JP" altLang="en-US" smtClean="0"/>
+              <a:rPr kumimoji="1" lang="ja-JP" altLang="en-US"/>
               <a:t>第 </a:t>
             </a:r>
             <a:r>
-              <a:rPr kumimoji="1" lang="en-US" altLang="ja-JP" smtClean="0"/>
+              <a:rPr kumimoji="1" lang="en-US" altLang="ja-JP"/>
               <a:t>4 </a:t>
             </a:r>
             <a:r>
-              <a:rPr kumimoji="1" lang="ja-JP" altLang="en-US" smtClean="0"/>
+              <a:rPr kumimoji="1" lang="ja-JP" altLang="en-US"/>
               <a:t>レベル</a:t>
             </a:r>
           </a:p>
           <a:p>
             <a:pPr lvl="4"/>
             <a:r>
-              <a:rPr kumimoji="1" lang="ja-JP" altLang="en-US" smtClean="0"/>
+              <a:rPr kumimoji="1" lang="ja-JP" altLang="en-US"/>
               <a:t>第 </a:t>
             </a:r>
             <a:r>
-              <a:rPr kumimoji="1" lang="en-US" altLang="ja-JP" smtClean="0"/>
+              <a:rPr kumimoji="1" lang="en-US" altLang="ja-JP"/>
               <a:t>5 </a:t>
             </a:r>
             <a:r>
-              <a:rPr kumimoji="1" lang="ja-JP" altLang="en-US" smtClean="0"/>
+              <a:rPr kumimoji="1" lang="ja-JP" altLang="en-US"/>
               <a:t>レベル</a:t>
             </a:r>
-            <a:endParaRPr kumimoji="1" lang="ja-JP" altLang="en-US"/>
           </a:p>
         </p:txBody>
       </p:sp>
@@ -2330,7 +2316,7 @@
           <a:p>
             <a:pPr lvl="0"/>
             <a:r>
-              <a:rPr kumimoji="1" lang="ja-JP" altLang="en-US" smtClean="0"/>
+              <a:rPr kumimoji="1" lang="ja-JP" altLang="en-US"/>
               <a:t>マスター テキストの書式設定</a:t>
             </a:r>
           </a:p>
@@ -2353,7 +2339,7 @@
           <a:p>
             <a:fld id="{F4BF5C5D-D401-4B80-922B-8926FE5B6186}" type="datetimeFigureOut">
               <a:rPr kumimoji="1" lang="ja-JP" altLang="en-US" smtClean="0"/>
-              <a:t>2018/12/20</a:t>
+              <a:t>2019/1/9</a:t>
             </a:fld>
             <a:endParaRPr kumimoji="1" lang="ja-JP" altLang="en-US"/>
           </a:p>
@@ -2456,10 +2442,9 @@
           </a:lstStyle>
           <a:p>
             <a:r>
-              <a:rPr kumimoji="1" lang="ja-JP" altLang="en-US" smtClean="0"/>
+              <a:rPr kumimoji="1" lang="ja-JP" altLang="en-US"/>
               <a:t>マスター タイトルの書式設定</a:t>
             </a:r>
-            <a:endParaRPr kumimoji="1" lang="ja-JP" altLang="en-US"/>
           </a:p>
         </p:txBody>
       </p:sp>
@@ -2583,7 +2568,7 @@
           <a:p>
             <a:pPr lvl="0"/>
             <a:r>
-              <a:rPr kumimoji="1" lang="ja-JP" altLang="en-US" smtClean="0"/>
+              <a:rPr kumimoji="1" lang="ja-JP" altLang="en-US"/>
               <a:t>マスター テキストの書式設定</a:t>
             </a:r>
           </a:p>
@@ -2606,7 +2591,7 @@
           <a:p>
             <a:fld id="{F4BF5C5D-D401-4B80-922B-8926FE5B6186}" type="datetimeFigureOut">
               <a:rPr kumimoji="1" lang="ja-JP" altLang="en-US" smtClean="0"/>
-              <a:t>2018/12/20</a:t>
+              <a:t>2019/1/9</a:t>
             </a:fld>
             <a:endParaRPr kumimoji="1" lang="ja-JP" altLang="en-US"/>
           </a:p>
@@ -2715,10 +2700,9 @@
           <a:lstStyle/>
           <a:p>
             <a:r>
-              <a:rPr kumimoji="1" lang="ja-JP" altLang="en-US" smtClean="0"/>
+              <a:rPr kumimoji="1" lang="ja-JP" altLang="en-US"/>
               <a:t>マスター タイトルの書式設定</a:t>
             </a:r>
-            <a:endParaRPr kumimoji="1" lang="ja-JP" altLang="en-US"/>
           </a:p>
         </p:txBody>
       </p:sp>
@@ -2749,70 +2733,69 @@
           <a:p>
             <a:pPr lvl="0"/>
             <a:r>
-              <a:rPr kumimoji="1" lang="ja-JP" altLang="en-US" smtClean="0"/>
+              <a:rPr kumimoji="1" lang="ja-JP" altLang="en-US"/>
               <a:t>マスター テキストの書式設定</a:t>
             </a:r>
           </a:p>
           <a:p>
             <a:pPr lvl="1"/>
             <a:r>
-              <a:rPr kumimoji="1" lang="ja-JP" altLang="en-US" smtClean="0"/>
+              <a:rPr kumimoji="1" lang="ja-JP" altLang="en-US"/>
               <a:t>第 </a:t>
             </a:r>
             <a:r>
-              <a:rPr kumimoji="1" lang="en-US" altLang="ja-JP" smtClean="0"/>
+              <a:rPr kumimoji="1" lang="en-US" altLang="ja-JP"/>
               <a:t>2 </a:t>
             </a:r>
             <a:r>
-              <a:rPr kumimoji="1" lang="ja-JP" altLang="en-US" smtClean="0"/>
+              <a:rPr kumimoji="1" lang="ja-JP" altLang="en-US"/>
               <a:t>レベル</a:t>
             </a:r>
           </a:p>
           <a:p>
             <a:pPr lvl="2"/>
             <a:r>
-              <a:rPr kumimoji="1" lang="ja-JP" altLang="en-US" smtClean="0"/>
+              <a:rPr kumimoji="1" lang="ja-JP" altLang="en-US"/>
               <a:t>第 </a:t>
             </a:r>
             <a:r>
-              <a:rPr kumimoji="1" lang="en-US" altLang="ja-JP" smtClean="0"/>
+              <a:rPr kumimoji="1" lang="en-US" altLang="ja-JP"/>
               <a:t>3 </a:t>
             </a:r>
             <a:r>
-              <a:rPr kumimoji="1" lang="ja-JP" altLang="en-US" smtClean="0"/>
+              <a:rPr kumimoji="1" lang="ja-JP" altLang="en-US"/>
               <a:t>レベル</a:t>
             </a:r>
           </a:p>
           <a:p>
             <a:pPr lvl="3"/>
             <a:r>
-              <a:rPr kumimoji="1" lang="ja-JP" altLang="en-US" smtClean="0"/>
+              <a:rPr kumimoji="1" lang="ja-JP" altLang="en-US"/>
               <a:t>第 </a:t>
             </a:r>
             <a:r>
-              <a:rPr kumimoji="1" lang="en-US" altLang="ja-JP" smtClean="0"/>
+              <a:rPr kumimoji="1" lang="en-US" altLang="ja-JP"/>
               <a:t>4 </a:t>
             </a:r>
             <a:r>
-              <a:rPr kumimoji="1" lang="ja-JP" altLang="en-US" smtClean="0"/>
+              <a:rPr kumimoji="1" lang="ja-JP" altLang="en-US"/>
               <a:t>レベル</a:t>
             </a:r>
           </a:p>
           <a:p>
             <a:pPr lvl="4"/>
             <a:r>
-              <a:rPr kumimoji="1" lang="ja-JP" altLang="en-US" smtClean="0"/>
+              <a:rPr kumimoji="1" lang="ja-JP" altLang="en-US"/>
               <a:t>第 </a:t>
             </a:r>
             <a:r>
-              <a:rPr kumimoji="1" lang="en-US" altLang="ja-JP" smtClean="0"/>
+              <a:rPr kumimoji="1" lang="en-US" altLang="ja-JP"/>
               <a:t>5 </a:t>
             </a:r>
             <a:r>
-              <a:rPr kumimoji="1" lang="ja-JP" altLang="en-US" smtClean="0"/>
+              <a:rPr kumimoji="1" lang="ja-JP" altLang="en-US"/>
               <a:t>レベル</a:t>
             </a:r>
-            <a:endParaRPr kumimoji="1" lang="ja-JP" altLang="en-US"/>
           </a:p>
         </p:txBody>
       </p:sp>
@@ -2851,7 +2834,7 @@
           <a:p>
             <a:fld id="{F4BF5C5D-D401-4B80-922B-8926FE5B6186}" type="datetimeFigureOut">
               <a:rPr kumimoji="1" lang="ja-JP" altLang="en-US" smtClean="0"/>
-              <a:t>2018/12/20</a:t>
+              <a:t>2019/1/9</a:t>
             </a:fld>
             <a:endParaRPr kumimoji="1" lang="ja-JP" altLang="en-US"/>
           </a:p>
@@ -3277,7 +3260,7 @@
           <a:lstStyle/>
           <a:p>
             <a:r>
-              <a:rPr lang="ja-JP" altLang="en-US" dirty="0" smtClean="0">
+              <a:rPr lang="ja-JP" altLang="en-US" dirty="0">
                 <a:solidFill>
                   <a:srgbClr val="FF0000"/>
                 </a:solidFill>
@@ -3285,7 +3268,7 @@
               <a:t>逆</a:t>
             </a:r>
             <a:r>
-              <a:rPr lang="en-US" altLang="ja-JP" dirty="0" smtClean="0">
+              <a:rPr lang="en-US" altLang="ja-JP" dirty="0">
                 <a:solidFill>
                   <a:srgbClr val="0070C0"/>
                 </a:solidFill>
@@ -3293,7 +3276,7 @@
               <a:t>mine</a:t>
             </a:r>
             <a:r>
-              <a:rPr lang="en-US" altLang="ja-JP" dirty="0" smtClean="0">
+              <a:rPr lang="en-US" altLang="ja-JP" dirty="0">
                 <a:solidFill>
                   <a:schemeClr val="accent6"/>
                 </a:solidFill>
@@ -3329,52 +3312,47 @@
           <a:lstStyle/>
           <a:p>
             <a:r>
-              <a:rPr kumimoji="1" lang="ja-JP" altLang="en-US" dirty="0" smtClean="0"/>
+              <a:rPr kumimoji="1" lang="ja-JP" altLang="en-US" dirty="0"/>
               <a:t>メンバー </a:t>
             </a:r>
             <a:r>
-              <a:rPr kumimoji="1" lang="en-US" altLang="ja-JP" dirty="0" smtClean="0"/>
+              <a:rPr kumimoji="1" lang="en-US" altLang="ja-JP" dirty="0"/>
               <a:t>E1516 </a:t>
             </a:r>
             <a:r>
-              <a:rPr kumimoji="1" lang="ja-JP" altLang="en-US" dirty="0" smtClean="0"/>
+              <a:rPr kumimoji="1" lang="ja-JP" altLang="en-US" dirty="0"/>
               <a:t>甲木晴人</a:t>
             </a:r>
-            <a:endParaRPr kumimoji="1" lang="en-US" altLang="ja-JP" dirty="0" smtClean="0"/>
+            <a:endParaRPr kumimoji="1" lang="en-US" altLang="ja-JP" dirty="0"/>
           </a:p>
           <a:p>
             <a:r>
               <a:rPr lang="ja-JP" altLang="en-US" dirty="0"/>
-              <a:t>　</a:t>
-            </a:r>
-            <a:r>
-              <a:rPr lang="ja-JP" altLang="en-US" dirty="0" smtClean="0"/>
-              <a:t>　　 </a:t>
-            </a:r>
-            <a:r>
-              <a:rPr lang="en-US" altLang="ja-JP" dirty="0" smtClean="0"/>
+              <a:t>　　　 </a:t>
+            </a:r>
+            <a:r>
+              <a:rPr lang="en-US" altLang="ja-JP" dirty="0"/>
               <a:t>E1517 </a:t>
             </a:r>
             <a:r>
-              <a:rPr lang="ja-JP" altLang="en-US" dirty="0" smtClean="0"/>
+              <a:rPr lang="ja-JP" altLang="en-US" dirty="0"/>
               <a:t>黒木保</a:t>
             </a:r>
-            <a:endParaRPr lang="en-US" altLang="ja-JP" dirty="0" smtClean="0"/>
-          </a:p>
-          <a:p>
-            <a:r>
-              <a:rPr kumimoji="1" lang="ja-JP" altLang="en-US" dirty="0" smtClean="0"/>
+            <a:endParaRPr lang="en-US" altLang="ja-JP" dirty="0"/>
+          </a:p>
+          <a:p>
+            <a:r>
+              <a:rPr kumimoji="1" lang="ja-JP" altLang="en-US" dirty="0"/>
               <a:t>　　　　 </a:t>
             </a:r>
             <a:r>
-              <a:rPr kumimoji="1" lang="en-US" altLang="ja-JP" dirty="0" smtClean="0"/>
+              <a:rPr kumimoji="1" lang="en-US" altLang="ja-JP" dirty="0"/>
               <a:t>E1518 </a:t>
             </a:r>
             <a:r>
-              <a:rPr kumimoji="1" lang="ja-JP" altLang="en-US" dirty="0" smtClean="0"/>
+              <a:rPr kumimoji="1" lang="ja-JP" altLang="en-US" dirty="0"/>
               <a:t>小池健文</a:t>
             </a:r>
-            <a:endParaRPr kumimoji="1" lang="ja-JP" altLang="en-US" dirty="0"/>
           </a:p>
         </p:txBody>
       </p:sp>
@@ -3424,10 +3402,9 @@
           <a:lstStyle/>
           <a:p>
             <a:r>
-              <a:rPr kumimoji="1" lang="ja-JP" altLang="en-US" dirty="0" smtClean="0"/>
+              <a:rPr kumimoji="1" lang="ja-JP" altLang="en-US" dirty="0"/>
               <a:t>問題点</a:t>
             </a:r>
-            <a:endParaRPr kumimoji="1" lang="ja-JP" altLang="en-US" dirty="0"/>
           </a:p>
         </p:txBody>
       </p:sp>
@@ -3457,33 +3434,33 @@
               <a:buNone/>
             </a:pPr>
             <a:r>
-              <a:rPr kumimoji="1" lang="ja-JP" altLang="en-US" sz="4800" dirty="0" smtClean="0"/>
+              <a:rPr kumimoji="1" lang="ja-JP" altLang="en-US" sz="4800" dirty="0"/>
               <a:t>既存の</a:t>
             </a:r>
             <a:r>
-              <a:rPr kumimoji="1" lang="en-US" altLang="ja-JP" sz="4800" dirty="0" smtClean="0"/>
+              <a:rPr kumimoji="1" lang="en-US" altLang="ja-JP" sz="4800" dirty="0"/>
               <a:t>minesweeper</a:t>
             </a:r>
             <a:r>
-              <a:rPr kumimoji="1" lang="ja-JP" altLang="en-US" sz="4800" dirty="0" smtClean="0"/>
+              <a:rPr kumimoji="1" lang="ja-JP" altLang="en-US" sz="4800" dirty="0"/>
               <a:t>は、面白くない</a:t>
             </a:r>
-            <a:endParaRPr kumimoji="1" lang="en-US" altLang="ja-JP" sz="4800" dirty="0" smtClean="0"/>
+            <a:endParaRPr kumimoji="1" lang="en-US" altLang="ja-JP" sz="4800" dirty="0"/>
           </a:p>
           <a:p>
             <a:pPr marL="0" indent="0">
               <a:buNone/>
             </a:pPr>
             <a:r>
-              <a:rPr lang="en-US" altLang="ja-JP" sz="4800" dirty="0" smtClean="0"/>
+              <a:rPr lang="en-US" altLang="ja-JP" sz="4800" dirty="0"/>
               <a:t>	</a:t>
             </a:r>
             <a:r>
-              <a:rPr lang="ja-JP" altLang="en-US" sz="4800" dirty="0" smtClean="0"/>
+              <a:rPr lang="ja-JP" altLang="en-US" sz="4800" dirty="0"/>
               <a:t>→</a:t>
             </a:r>
             <a:r>
-              <a:rPr lang="ja-JP" altLang="en-US" sz="4000" dirty="0" smtClean="0"/>
+              <a:rPr lang="ja-JP" altLang="en-US" sz="4000" dirty="0"/>
               <a:t>「マインスイーパー 面白い」で検索</a:t>
             </a:r>
             <a:endParaRPr kumimoji="1" lang="ja-JP" altLang="en-US" sz="4000" dirty="0"/>
@@ -3721,10 +3698,9 @@
               <a:buNone/>
             </a:pPr>
             <a:r>
-              <a:rPr lang="ja-JP" altLang="en-US" sz="4000" dirty="0" smtClean="0"/>
+              <a:rPr lang="ja-JP" altLang="en-US" sz="4000" dirty="0"/>
               <a:t>情報集め</a:t>
             </a:r>
-            <a:endParaRPr lang="ja-JP" altLang="en-US" sz="4000" dirty="0"/>
           </a:p>
         </p:txBody>
       </p:sp>
@@ -3919,10 +3895,9 @@
               <a:buNone/>
             </a:pPr>
             <a:r>
-              <a:rPr lang="ja-JP" altLang="en-US" sz="4000" dirty="0" smtClean="0"/>
+              <a:rPr lang="ja-JP" altLang="en-US" sz="4000" dirty="0"/>
               <a:t>逆マインスイーパーに決定</a:t>
             </a:r>
-            <a:endParaRPr lang="ja-JP" altLang="en-US" sz="4000" dirty="0"/>
           </a:p>
         </p:txBody>
       </p:sp>
@@ -3972,11 +3947,11 @@
           <a:lstStyle/>
           <a:p>
             <a:r>
-              <a:rPr kumimoji="1" lang="ja-JP" altLang="en-US" dirty="0" smtClean="0"/>
+              <a:rPr kumimoji="1" lang="ja-JP" altLang="en-US" dirty="0"/>
               <a:t>どういうゲーム</a:t>
             </a:r>
             <a:r>
-              <a:rPr kumimoji="1" lang="en-US" altLang="ja-JP" dirty="0" smtClean="0"/>
+              <a:rPr kumimoji="1" lang="en-US" altLang="ja-JP" dirty="0"/>
               <a:t>?</a:t>
             </a:r>
             <a:endParaRPr kumimoji="1" lang="ja-JP" altLang="en-US" dirty="0"/>
@@ -4002,34 +3977,34 @@
               <a:buNone/>
             </a:pPr>
             <a:r>
-              <a:rPr kumimoji="1" lang="en-US" altLang="ja-JP" dirty="0" smtClean="0"/>
+              <a:rPr kumimoji="1" lang="en-US" altLang="ja-JP" dirty="0"/>
               <a:t>Minesweeper</a:t>
             </a:r>
             <a:r>
-              <a:rPr kumimoji="1" lang="ja-JP" altLang="en-US" dirty="0" smtClean="0"/>
+              <a:rPr kumimoji="1" lang="ja-JP" altLang="en-US" dirty="0"/>
               <a:t>の逆バージョン</a:t>
             </a:r>
-            <a:endParaRPr kumimoji="1" lang="en-US" altLang="ja-JP" dirty="0" smtClean="0"/>
+            <a:endParaRPr kumimoji="1" lang="en-US" altLang="ja-JP" dirty="0"/>
           </a:p>
           <a:p>
             <a:pPr marL="0" indent="0">
               <a:buNone/>
             </a:pPr>
             <a:r>
-              <a:rPr kumimoji="1" lang="ja-JP" altLang="en-US" dirty="0" smtClean="0"/>
+              <a:rPr kumimoji="1" lang="ja-JP" altLang="en-US" dirty="0"/>
               <a:t>インスパイアを受けたゲーム</a:t>
             </a:r>
-            <a:endParaRPr kumimoji="1" lang="en-US" altLang="ja-JP" dirty="0" smtClean="0"/>
+            <a:endParaRPr kumimoji="1" lang="en-US" altLang="ja-JP" dirty="0"/>
           </a:p>
           <a:p>
             <a:pPr marL="0" indent="0">
               <a:buNone/>
             </a:pPr>
             <a:r>
-              <a:rPr lang="ja-JP" altLang="en-US" dirty="0" smtClean="0"/>
+              <a:rPr lang="ja-JP" altLang="en-US" dirty="0"/>
               <a:t>                 →カラフルマイン</a:t>
             </a:r>
-            <a:endParaRPr lang="en-US" altLang="ja-JP" dirty="0" smtClean="0"/>
+            <a:endParaRPr lang="en-US" altLang="ja-JP" dirty="0"/>
           </a:p>
           <a:p>
             <a:pPr marL="0" indent="0">
@@ -4144,171 +4119,322 @@
           <a:lstStyle/>
           <a:p>
             <a:r>
-              <a:rPr lang="ja-JP" altLang="en-US" dirty="0" smtClean="0"/>
-              <a:t>どんな機能</a:t>
-            </a:r>
-            <a:r>
-              <a:rPr lang="en-US" altLang="ja-JP" dirty="0"/>
-              <a:t>?</a:t>
+              <a:rPr kumimoji="1" lang="ja-JP" altLang="en-US" dirty="0"/>
+              <a:t>アルゴリズム</a:t>
+            </a:r>
+          </a:p>
+        </p:txBody>
+      </p:sp>
+      <p:sp>
+        <p:nvSpPr>
+          <p:cNvPr id="3" name="コンテンツ プレースホルダー 2"/>
+          <p:cNvSpPr>
+            <a:spLocks noGrp="1"/>
+          </p:cNvSpPr>
+          <p:nvPr>
+            <p:ph idx="1"/>
+          </p:nvPr>
+        </p:nvSpPr>
+        <p:spPr/>
+        <p:txBody>
+          <a:bodyPr/>
+          <a:lstStyle/>
+          <a:p>
+            <a:pPr marL="0" indent="0">
+              <a:buNone/>
+            </a:pPr>
+            <a:r>
+              <a:rPr kumimoji="1" lang="ja-JP" altLang="en-US" dirty="0"/>
+              <a:t>周囲</a:t>
+            </a:r>
+            <a:r>
+              <a:rPr kumimoji="1" lang="en-US" altLang="ja-JP" dirty="0"/>
+              <a:t>9</a:t>
+            </a:r>
+            <a:r>
+              <a:rPr kumimoji="1" lang="ja-JP" altLang="en-US" dirty="0"/>
+              <a:t>つ</a:t>
+            </a:r>
+            <a:r>
+              <a:rPr kumimoji="1" lang="en-US" altLang="ja-JP" dirty="0"/>
+              <a:t>(</a:t>
+            </a:r>
+            <a:r>
+              <a:rPr lang="ja-JP" altLang="en-US" dirty="0"/>
+              <a:t>自身</a:t>
+            </a:r>
+            <a:r>
+              <a:rPr kumimoji="1" lang="ja-JP" altLang="en-US" dirty="0"/>
+              <a:t>を含む</a:t>
+            </a:r>
+            <a:r>
+              <a:rPr kumimoji="1" lang="en-US" altLang="ja-JP" dirty="0"/>
+              <a:t>)</a:t>
+            </a:r>
+            <a:r>
+              <a:rPr kumimoji="1" lang="ja-JP" altLang="en-US" dirty="0"/>
+              <a:t>のマスを</a:t>
+            </a:r>
+            <a:r>
+              <a:rPr lang="ja-JP" altLang="en-US" dirty="0"/>
+              <a:t>確認し同じ色のタイルが自身の数字と同じかを見る。</a:t>
             </a:r>
             <a:endParaRPr kumimoji="1" lang="ja-JP" altLang="en-US" dirty="0"/>
           </a:p>
         </p:txBody>
       </p:sp>
-      <p:sp>
-        <p:nvSpPr>
-          <p:cNvPr id="3" name="コンテンツ プレースホルダー 2"/>
-          <p:cNvSpPr>
-            <a:spLocks noGrp="1"/>
-          </p:cNvSpPr>
-          <p:nvPr>
-            <p:ph idx="1"/>
-          </p:nvPr>
-        </p:nvSpPr>
-        <p:spPr/>
-        <p:txBody>
-          <a:bodyPr/>
-          <a:lstStyle/>
-          <a:p>
-            <a:pPr marL="0" indent="0">
-              <a:buNone/>
-            </a:pPr>
-            <a:r>
-              <a:rPr kumimoji="1" lang="ja-JP" altLang="en-US" dirty="0" smtClean="0"/>
-              <a:t>数字とタイルを同じ色にして</a:t>
-            </a:r>
-            <a:r>
-              <a:rPr lang="ja-JP" altLang="en-US" dirty="0"/>
-              <a:t>条件</a:t>
-            </a:r>
-            <a:r>
-              <a:rPr lang="ja-JP" altLang="en-US" dirty="0" smtClean="0"/>
-              <a:t>を</a:t>
-            </a:r>
-            <a:r>
-              <a:rPr lang="ja-JP" altLang="en-US" dirty="0"/>
-              <a:t>満</a:t>
-            </a:r>
-            <a:r>
-              <a:rPr lang="ja-JP" altLang="en-US" dirty="0" smtClean="0"/>
-              <a:t>たす</a:t>
-            </a:r>
+      <p:pic>
+        <p:nvPicPr>
+          <p:cNvPr id="4" name="図 3">
+            <a:extLst>
+              <a:ext uri="{FF2B5EF4-FFF2-40B4-BE49-F238E27FC236}">
+                <a16:creationId xmlns:a16="http://schemas.microsoft.com/office/drawing/2014/main" id="{5ADF8D08-685C-471A-942A-F1AD7754AE00}"/>
+              </a:ext>
+            </a:extLst>
+          </p:cNvPr>
+          <p:cNvPicPr>
+            <a:picLocks noChangeAspect="1"/>
+          </p:cNvPicPr>
+          <p:nvPr/>
+        </p:nvPicPr>
+        <p:blipFill rotWithShape="1">
+          <a:blip r:embed="rId2" cstate="print">
+            <a:extLst>
+              <a:ext uri="{28A0092B-C50C-407E-A947-70E740481C1C}">
+                <a14:useLocalDpi xmlns:a14="http://schemas.microsoft.com/office/drawing/2010/main" val="0"/>
+              </a:ext>
+            </a:extLst>
+          </a:blip>
+          <a:srcRect r="26015"/>
+          <a:stretch/>
+        </p:blipFill>
+        <p:spPr>
+          <a:xfrm>
+            <a:off x="1043979" y="2747048"/>
+            <a:ext cx="4034626" cy="3745825"/>
+          </a:xfrm>
+          <a:prstGeom prst="rect">
+            <a:avLst/>
+          </a:prstGeom>
+          <a:ln w="28575">
+            <a:noFill/>
+          </a:ln>
+        </p:spPr>
+      </p:pic>
+      <p:pic>
+        <p:nvPicPr>
+          <p:cNvPr id="5" name="図 4">
+            <a:extLst>
+              <a:ext uri="{FF2B5EF4-FFF2-40B4-BE49-F238E27FC236}">
+                <a16:creationId xmlns:a16="http://schemas.microsoft.com/office/drawing/2014/main" id="{FF5F3559-F16B-444C-A2D9-2751076E036A}"/>
+              </a:ext>
+            </a:extLst>
+          </p:cNvPr>
+          <p:cNvPicPr>
+            <a:picLocks noChangeAspect="1"/>
+          </p:cNvPicPr>
+          <p:nvPr/>
+        </p:nvPicPr>
+        <p:blipFill rotWithShape="1">
+          <a:blip r:embed="rId2" cstate="print">
+            <a:extLst>
+              <a:ext uri="{28A0092B-C50C-407E-A947-70E740481C1C}">
+                <a14:useLocalDpi xmlns:a14="http://schemas.microsoft.com/office/drawing/2010/main" val="0"/>
+              </a:ext>
+            </a:extLst>
+          </a:blip>
+          <a:srcRect r="26015"/>
+          <a:stretch/>
+        </p:blipFill>
+        <p:spPr>
+          <a:xfrm>
+            <a:off x="6557915" y="2747049"/>
+            <a:ext cx="4034626" cy="3745825"/>
+          </a:xfrm>
+          <a:prstGeom prst="rect">
+            <a:avLst/>
+          </a:prstGeom>
+        </p:spPr>
+      </p:pic>
+      <p:sp>
+        <p:nvSpPr>
+          <p:cNvPr id="6" name="楕円 5">
+            <a:extLst>
+              <a:ext uri="{FF2B5EF4-FFF2-40B4-BE49-F238E27FC236}">
+                <a16:creationId xmlns:a16="http://schemas.microsoft.com/office/drawing/2014/main" id="{8D765BFF-2D09-490E-BC90-88F17E42DBF6}"/>
+              </a:ext>
+            </a:extLst>
+          </p:cNvPr>
+          <p:cNvSpPr/>
+          <p:nvPr/>
+        </p:nvSpPr>
+        <p:spPr>
+          <a:xfrm>
+            <a:off x="2583294" y="4162761"/>
+            <a:ext cx="914400" cy="914400"/>
+          </a:xfrm>
+          <a:prstGeom prst="ellipse">
+            <a:avLst/>
+          </a:prstGeom>
+          <a:noFill/>
+          <a:ln w="47625">
+            <a:solidFill>
+              <a:schemeClr val="bg1"/>
+            </a:solidFill>
+          </a:ln>
+        </p:spPr>
+        <p:style>
+          <a:lnRef idx="2">
+            <a:schemeClr val="accent1">
+              <a:shade val="50000"/>
+            </a:schemeClr>
+          </a:lnRef>
+          <a:fillRef idx="1">
+            <a:schemeClr val="accent1"/>
+          </a:fillRef>
+          <a:effectRef idx="0">
+            <a:schemeClr val="accent1"/>
+          </a:effectRef>
+          <a:fontRef idx="minor">
+            <a:schemeClr val="lt1"/>
+          </a:fontRef>
+        </p:style>
+        <p:txBody>
+          <a:bodyPr rtlCol="0" anchor="ctr"/>
+          <a:lstStyle/>
+          <a:p>
+            <a:pPr algn="ctr"/>
             <a:endParaRPr kumimoji="1" lang="ja-JP" altLang="en-US" dirty="0"/>
           </a:p>
         </p:txBody>
       </p:sp>
-    </p:spTree>
-    <p:extLst>
-      <p:ext uri="{BB962C8B-B14F-4D97-AF65-F5344CB8AC3E}">
-        <p14:creationId xmlns:p14="http://schemas.microsoft.com/office/powerpoint/2010/main" val="261989777"/>
-      </p:ext>
-    </p:extLst>
-  </p:cSld>
-  <p:clrMapOvr>
-    <a:masterClrMapping/>
-  </p:clrMapOvr>
-</p:sld>
-</file>
-
-<file path=ppt/slides/slide5.xml><?xml version="1.0" encoding="utf-8"?>
-<p:sld xmlns:a="http://schemas.openxmlformats.org/drawingml/2006/main" xmlns:r="http://schemas.openxmlformats.org/officeDocument/2006/relationships" xmlns:p="http://schemas.openxmlformats.org/presentationml/2006/main">
-  <p:cSld>
-    <p:spTree>
-      <p:nvGrpSpPr>
-        <p:cNvPr id="1" name=""/>
-        <p:cNvGrpSpPr/>
-        <p:nvPr/>
-      </p:nvGrpSpPr>
-      <p:grpSpPr>
-        <a:xfrm>
-          <a:off x="0" y="0"/>
-          <a:ext cx="0" cy="0"/>
-          <a:chOff x="0" y="0"/>
-          <a:chExt cx="0" cy="0"/>
-        </a:xfrm>
-      </p:grpSpPr>
-      <p:sp>
-        <p:nvSpPr>
-          <p:cNvPr id="2" name="タイトル 1"/>
-          <p:cNvSpPr>
-            <a:spLocks noGrp="1"/>
-          </p:cNvSpPr>
-          <p:nvPr>
-            <p:ph type="title"/>
-          </p:nvPr>
-        </p:nvSpPr>
-        <p:spPr/>
-        <p:txBody>
-          <a:bodyPr/>
-          <a:lstStyle/>
-          <a:p>
-            <a:r>
-              <a:rPr kumimoji="1" lang="ja-JP" altLang="en-US" dirty="0" smtClean="0"/>
-              <a:t>アルゴリズム</a:t>
-            </a:r>
+      <p:sp>
+        <p:nvSpPr>
+          <p:cNvPr id="7" name="楕円 6">
+            <a:extLst>
+              <a:ext uri="{FF2B5EF4-FFF2-40B4-BE49-F238E27FC236}">
+                <a16:creationId xmlns:a16="http://schemas.microsoft.com/office/drawing/2014/main" id="{87CE557C-CFBB-489D-9B8A-3F88688D4A8A}"/>
+              </a:ext>
+            </a:extLst>
+          </p:cNvPr>
+          <p:cNvSpPr/>
+          <p:nvPr/>
+        </p:nvSpPr>
+        <p:spPr>
+          <a:xfrm>
+            <a:off x="8923134" y="3319481"/>
+            <a:ext cx="914400" cy="914400"/>
+          </a:xfrm>
+          <a:prstGeom prst="ellipse">
+            <a:avLst/>
+          </a:prstGeom>
+          <a:noFill/>
+          <a:ln w="47625">
+            <a:solidFill>
+              <a:schemeClr val="bg1"/>
+            </a:solidFill>
+          </a:ln>
+        </p:spPr>
+        <p:style>
+          <a:lnRef idx="2">
+            <a:schemeClr val="accent1">
+              <a:shade val="50000"/>
+            </a:schemeClr>
+          </a:lnRef>
+          <a:fillRef idx="1">
+            <a:schemeClr val="accent1"/>
+          </a:fillRef>
+          <a:effectRef idx="0">
+            <a:schemeClr val="accent1"/>
+          </a:effectRef>
+          <a:fontRef idx="minor">
+            <a:schemeClr val="lt1"/>
+          </a:fontRef>
+        </p:style>
+        <p:txBody>
+          <a:bodyPr rtlCol="0" anchor="ctr"/>
+          <a:lstStyle/>
+          <a:p>
+            <a:pPr algn="ctr"/>
             <a:endParaRPr kumimoji="1" lang="ja-JP" altLang="en-US" dirty="0"/>
           </a:p>
         </p:txBody>
       </p:sp>
       <p:sp>
         <p:nvSpPr>
-          <p:cNvPr id="3" name="コンテンツ プレースホルダー 2"/>
-          <p:cNvSpPr>
-            <a:spLocks noGrp="1"/>
-          </p:cNvSpPr>
-          <p:nvPr>
-            <p:ph idx="1"/>
-          </p:nvPr>
-        </p:nvSpPr>
-        <p:spPr/>
-        <p:txBody>
-          <a:bodyPr/>
-          <a:lstStyle/>
-          <a:p>
-            <a:pPr marL="0" indent="0">
-              <a:buNone/>
-            </a:pPr>
-            <a:r>
-              <a:rPr kumimoji="1" lang="ja-JP" altLang="en-US" dirty="0" smtClean="0"/>
-              <a:t>周囲</a:t>
-            </a:r>
-            <a:r>
-              <a:rPr kumimoji="1" lang="en-US" altLang="ja-JP" dirty="0" smtClean="0"/>
-              <a:t>9</a:t>
-            </a:r>
-            <a:r>
-              <a:rPr kumimoji="1" lang="ja-JP" altLang="en-US" dirty="0" smtClean="0"/>
-              <a:t>つ</a:t>
-            </a:r>
-            <a:r>
-              <a:rPr kumimoji="1" lang="en-US" altLang="ja-JP" dirty="0" smtClean="0"/>
-              <a:t>(</a:t>
-            </a:r>
-            <a:r>
-              <a:rPr kumimoji="1" lang="ja-JP" altLang="en-US" dirty="0" smtClean="0"/>
-              <a:t>自信を含む</a:t>
-            </a:r>
-            <a:r>
-              <a:rPr kumimoji="1" lang="en-US" altLang="ja-JP" dirty="0" smtClean="0"/>
-              <a:t>)</a:t>
-            </a:r>
-            <a:r>
-              <a:rPr kumimoji="1" lang="ja-JP" altLang="en-US" dirty="0" smtClean="0"/>
-              <a:t>の</a:t>
-            </a:r>
-            <a:r>
-              <a:rPr kumimoji="1" lang="ja-JP" altLang="en-US" smtClean="0"/>
-              <a:t>マスを</a:t>
-            </a:r>
-            <a:r>
-              <a:rPr lang="ja-JP" altLang="en-US"/>
-              <a:t>確認</a:t>
-            </a:r>
-            <a:r>
-              <a:rPr lang="ja-JP" altLang="en-US" smtClean="0"/>
-              <a:t>し同じ色のタイルが自身の数字と同じかを見る。</a:t>
-            </a:r>
-            <a:endParaRPr kumimoji="1" lang="ja-JP" altLang="en-US" dirty="0"/>
+          <p:cNvPr id="8" name="テキスト ボックス 7">
+            <a:extLst>
+              <a:ext uri="{FF2B5EF4-FFF2-40B4-BE49-F238E27FC236}">
+                <a16:creationId xmlns:a16="http://schemas.microsoft.com/office/drawing/2014/main" id="{B84EB8B9-8533-40EE-B89C-8FF9B1795A94}"/>
+              </a:ext>
+            </a:extLst>
+          </p:cNvPr>
+          <p:cNvSpPr txBox="1"/>
+          <p:nvPr/>
+        </p:nvSpPr>
+        <p:spPr>
+          <a:xfrm>
+            <a:off x="1137920" y="2936240"/>
+            <a:ext cx="904240" cy="369332"/>
+          </a:xfrm>
+          <a:prstGeom prst="rect">
+            <a:avLst/>
+          </a:prstGeom>
+          <a:noFill/>
+        </p:spPr>
+        <p:txBody>
+          <a:bodyPr wrap="square" rtlCol="0">
+            <a:spAutoFit/>
+          </a:bodyPr>
+          <a:lstStyle/>
+          <a:p>
+            <a:r>
+              <a:rPr kumimoji="1" lang="ja-JP" altLang="en-US" dirty="0">
+                <a:solidFill>
+                  <a:schemeClr val="bg1"/>
+                </a:solidFill>
+              </a:rPr>
+              <a:t>正解</a:t>
+            </a:r>
+          </a:p>
+        </p:txBody>
+      </p:sp>
+      <p:sp>
+        <p:nvSpPr>
+          <p:cNvPr id="9" name="テキスト ボックス 8">
+            <a:extLst>
+              <a:ext uri="{FF2B5EF4-FFF2-40B4-BE49-F238E27FC236}">
+                <a16:creationId xmlns:a16="http://schemas.microsoft.com/office/drawing/2014/main" id="{31E1B7A8-CAE2-4116-9D4C-8A38B80556B7}"/>
+              </a:ext>
+            </a:extLst>
+          </p:cNvPr>
+          <p:cNvSpPr txBox="1"/>
+          <p:nvPr/>
+        </p:nvSpPr>
+        <p:spPr>
+          <a:xfrm>
+            <a:off x="6715760" y="2903974"/>
+            <a:ext cx="904240" cy="369332"/>
+          </a:xfrm>
+          <a:prstGeom prst="rect">
+            <a:avLst/>
+          </a:prstGeom>
+          <a:noFill/>
+        </p:spPr>
+        <p:txBody>
+          <a:bodyPr wrap="square" rtlCol="0">
+            <a:spAutoFit/>
+          </a:bodyPr>
+          <a:lstStyle/>
+          <a:p>
+            <a:r>
+              <a:rPr kumimoji="1" lang="ja-JP" altLang="en-US" dirty="0">
+                <a:solidFill>
+                  <a:schemeClr val="bg1"/>
+                </a:solidFill>
+              </a:rPr>
+              <a:t>不正解</a:t>
+            </a:r>
           </a:p>
         </p:txBody>
       </p:sp>
